--- a/Week-3/Day-1/Synapse_Fabric_Airflow_Overview.pptx
+++ b/Week-3/Day-1/Synapse_Fabric_Airflow_Overview.pptx
@@ -8,18 +8,21 @@
     <p:sldId id="256" r:id="rId2"/>
     <p:sldId id="257" r:id="rId3"/>
     <p:sldId id="258" r:id="rId4"/>
-    <p:sldId id="259" r:id="rId5"/>
-    <p:sldId id="260" r:id="rId6"/>
-    <p:sldId id="261" r:id="rId7"/>
-    <p:sldId id="262" r:id="rId8"/>
-    <p:sldId id="263" r:id="rId9"/>
-    <p:sldId id="264" r:id="rId10"/>
-    <p:sldId id="265" r:id="rId11"/>
-    <p:sldId id="266" r:id="rId12"/>
-    <p:sldId id="267" r:id="rId13"/>
-    <p:sldId id="268" r:id="rId14"/>
-    <p:sldId id="269" r:id="rId15"/>
-    <p:sldId id="270" r:id="rId16"/>
+    <p:sldId id="271" r:id="rId5"/>
+    <p:sldId id="272" r:id="rId6"/>
+    <p:sldId id="273" r:id="rId7"/>
+    <p:sldId id="259" r:id="rId8"/>
+    <p:sldId id="260" r:id="rId9"/>
+    <p:sldId id="261" r:id="rId10"/>
+    <p:sldId id="262" r:id="rId11"/>
+    <p:sldId id="263" r:id="rId12"/>
+    <p:sldId id="264" r:id="rId13"/>
+    <p:sldId id="265" r:id="rId14"/>
+    <p:sldId id="266" r:id="rId15"/>
+    <p:sldId id="267" r:id="rId16"/>
+    <p:sldId id="268" r:id="rId17"/>
+    <p:sldId id="269" r:id="rId18"/>
+    <p:sldId id="270" r:id="rId19"/>
   </p:sldIdLst>
   <p:sldSz cx="9144000" cy="6858000" type="screen4x3"/>
   <p:notesSz cx="6858000" cy="9144000"/>
@@ -6770,7 +6773,7 @@
           <a:p>
             <a:fld id="{5BCAD085-E8A6-8845-BD4E-CB4CCA059FC4}" type="datetimeFigureOut">
               <a:rPr lang="en-US" smtClean="0"/>
-              <a:t>9/16/2025</a:t>
+              <a:t>9/19/2025</a:t>
             </a:fld>
             <a:endParaRPr lang="en-US"/>
           </a:p>
@@ -6977,7 +6980,7 @@
           <a:p>
             <a:fld id="{5BCAD085-E8A6-8845-BD4E-CB4CCA059FC4}" type="datetimeFigureOut">
               <a:rPr lang="en-US" smtClean="0"/>
-              <a:t>9/16/2025</a:t>
+              <a:t>9/19/2025</a:t>
             </a:fld>
             <a:endParaRPr lang="en-US"/>
           </a:p>
@@ -7157,7 +7160,7 @@
           <a:p>
             <a:fld id="{5BCAD085-E8A6-8845-BD4E-CB4CCA059FC4}" type="datetimeFigureOut">
               <a:rPr lang="en-US" smtClean="0"/>
-              <a:t>9/16/2025</a:t>
+              <a:t>9/19/2025</a:t>
             </a:fld>
             <a:endParaRPr lang="en-US"/>
           </a:p>
@@ -7362,7 +7365,7 @@
           <a:p>
             <a:fld id="{5BCAD085-E8A6-8845-BD4E-CB4CCA059FC4}" type="datetimeFigureOut">
               <a:rPr lang="en-US" smtClean="0"/>
-              <a:t>9/16/2025</a:t>
+              <a:t>9/19/2025</a:t>
             </a:fld>
             <a:endParaRPr lang="en-US"/>
           </a:p>
@@ -14100,7 +14103,7 @@
           <a:p>
             <a:fld id="{5BCAD085-E8A6-8845-BD4E-CB4CCA059FC4}" type="datetimeFigureOut">
               <a:rPr lang="en-US" smtClean="0"/>
-              <a:t>9/16/2025</a:t>
+              <a:t>9/19/2025</a:t>
             </a:fld>
             <a:endParaRPr lang="en-US"/>
           </a:p>
@@ -14374,7 +14377,7 @@
           <a:p>
             <a:fld id="{5BCAD085-E8A6-8845-BD4E-CB4CCA059FC4}" type="datetimeFigureOut">
               <a:rPr lang="en-US" smtClean="0"/>
-              <a:t>9/16/2025</a:t>
+              <a:t>9/19/2025</a:t>
             </a:fld>
             <a:endParaRPr lang="en-US"/>
           </a:p>
@@ -14777,7 +14780,7 @@
           <a:p>
             <a:fld id="{5BCAD085-E8A6-8845-BD4E-CB4CCA059FC4}" type="datetimeFigureOut">
               <a:rPr lang="en-US" smtClean="0"/>
-              <a:t>9/16/2025</a:t>
+              <a:t>9/19/2025</a:t>
             </a:fld>
             <a:endParaRPr lang="en-US"/>
           </a:p>
@@ -14895,7 +14898,7 @@
           <a:p>
             <a:fld id="{5BCAD085-E8A6-8845-BD4E-CB4CCA059FC4}" type="datetimeFigureOut">
               <a:rPr lang="en-US" smtClean="0"/>
-              <a:t>9/16/2025</a:t>
+              <a:t>9/19/2025</a:t>
             </a:fld>
             <a:endParaRPr lang="en-US"/>
           </a:p>
@@ -14990,7 +14993,7 @@
           <a:p>
             <a:fld id="{5BCAD085-E8A6-8845-BD4E-CB4CCA059FC4}" type="datetimeFigureOut">
               <a:rPr lang="en-US" smtClean="0"/>
-              <a:t>9/16/2025</a:t>
+              <a:t>9/19/2025</a:t>
             </a:fld>
             <a:endParaRPr lang="en-US"/>
           </a:p>
@@ -15282,7 +15285,7 @@
           <a:p>
             <a:fld id="{5BCAD085-E8A6-8845-BD4E-CB4CCA059FC4}" type="datetimeFigureOut">
               <a:rPr lang="en-US" smtClean="0"/>
-              <a:t>9/16/2025</a:t>
+              <a:t>9/19/2025</a:t>
             </a:fld>
             <a:endParaRPr lang="en-US"/>
           </a:p>
@@ -15562,7 +15565,7 @@
           <a:p>
             <a:fld id="{5BCAD085-E8A6-8845-BD4E-CB4CCA059FC4}" type="datetimeFigureOut">
               <a:rPr lang="en-US" smtClean="0"/>
-              <a:t>9/16/2025</a:t>
+              <a:t>9/19/2025</a:t>
             </a:fld>
             <a:endParaRPr lang="en-US"/>
           </a:p>
@@ -15812,7 +15815,7 @@
           <a:p>
             <a:fld id="{5BCAD085-E8A6-8845-BD4E-CB4CCA059FC4}" type="datetimeFigureOut">
               <a:rPr lang="en-US" smtClean="0"/>
-              <a:t>9/16/2025</a:t>
+              <a:t>9/19/2025</a:t>
             </a:fld>
             <a:endParaRPr lang="en-US"/>
           </a:p>
@@ -16397,6 +16400,240 @@
           <a:lstStyle/>
           <a:p>
             <a:r>
+              <a:t>Creating and Managing Databases, Tables, and Views</a:t>
+            </a:r>
+          </a:p>
+        </p:txBody>
+      </p:sp>
+      <p:sp>
+        <p:nvSpPr>
+          <p:cNvPr id="3" name="Content Placeholder 2"/>
+          <p:cNvSpPr>
+            <a:spLocks noGrp="1"/>
+          </p:cNvSpPr>
+          <p:nvPr>
+            <p:ph idx="1"/>
+          </p:nvPr>
+        </p:nvSpPr>
+        <p:spPr/>
+        <p:txBody>
+          <a:bodyPr/>
+          <a:lstStyle/>
+          <a:p>
+            <a:r>
+              <a:t>- Databases: Logical containers for data</a:t>
+            </a:r>
+          </a:p>
+          <a:p>
+            <a:r>
+              <a:t>- Tables: Store structured data in rows and columns</a:t>
+            </a:r>
+          </a:p>
+          <a:p>
+            <a:r>
+              <a:t>- Views: Virtual tables for simplified query logic</a:t>
+            </a:r>
+          </a:p>
+          <a:p>
+            <a:r>
+              <a:t>- Tools: T-SQL, Synapse Studio, PowerShell, Azure CLI</a:t>
+            </a:r>
+          </a:p>
+        </p:txBody>
+      </p:sp>
+    </p:spTree>
+  </p:cSld>
+  <p:clrMapOvr>
+    <a:masterClrMapping/>
+  </p:clrMapOvr>
+</p:sld>
+</file>
+
+<file path=ppt/slides/slide11.xml><?xml version="1.0" encoding="utf-8"?>
+<p:sld xmlns:a="http://schemas.openxmlformats.org/drawingml/2006/main" xmlns:r="http://schemas.openxmlformats.org/officeDocument/2006/relationships" xmlns:p="http://schemas.openxmlformats.org/presentationml/2006/main">
+  <p:cSld>
+    <p:spTree>
+      <p:nvGrpSpPr>
+        <p:cNvPr id="1" name=""/>
+        <p:cNvGrpSpPr/>
+        <p:nvPr/>
+      </p:nvGrpSpPr>
+      <p:grpSpPr>
+        <a:xfrm>
+          <a:off x="0" y="0"/>
+          <a:ext cx="0" cy="0"/>
+          <a:chOff x="0" y="0"/>
+          <a:chExt cx="0" cy="0"/>
+        </a:xfrm>
+      </p:grpSpPr>
+      <p:sp>
+        <p:nvSpPr>
+          <p:cNvPr id="2" name="Title 1"/>
+          <p:cNvSpPr>
+            <a:spLocks noGrp="1"/>
+          </p:cNvSpPr>
+          <p:nvPr>
+            <p:ph type="title"/>
+          </p:nvPr>
+        </p:nvSpPr>
+        <p:spPr/>
+        <p:txBody>
+          <a:bodyPr/>
+          <a:lstStyle/>
+          <a:p>
+            <a:r>
+              <a:t>Microsoft Fabric Overview</a:t>
+            </a:r>
+          </a:p>
+        </p:txBody>
+      </p:sp>
+      <p:sp>
+        <p:nvSpPr>
+          <p:cNvPr id="3" name="Text Placeholder 2"/>
+          <p:cNvSpPr>
+            <a:spLocks noGrp="1"/>
+          </p:cNvSpPr>
+          <p:nvPr>
+            <p:ph type="body" idx="1"/>
+          </p:nvPr>
+        </p:nvSpPr>
+        <p:spPr/>
+        <p:txBody>
+          <a:bodyPr/>
+          <a:lstStyle/>
+          <a:p>
+            <a:endParaRPr/>
+          </a:p>
+        </p:txBody>
+      </p:sp>
+    </p:spTree>
+  </p:cSld>
+  <p:clrMapOvr>
+    <a:masterClrMapping/>
+  </p:clrMapOvr>
+</p:sld>
+</file>
+
+<file path=ppt/slides/slide12.xml><?xml version="1.0" encoding="utf-8"?>
+<p:sld xmlns:a="http://schemas.openxmlformats.org/drawingml/2006/main" xmlns:r="http://schemas.openxmlformats.org/officeDocument/2006/relationships" xmlns:p="http://schemas.openxmlformats.org/presentationml/2006/main">
+  <p:cSld>
+    <p:spTree>
+      <p:nvGrpSpPr>
+        <p:cNvPr id="1" name=""/>
+        <p:cNvGrpSpPr/>
+        <p:nvPr/>
+      </p:nvGrpSpPr>
+      <p:grpSpPr>
+        <a:xfrm>
+          <a:off x="0" y="0"/>
+          <a:ext cx="0" cy="0"/>
+          <a:chOff x="0" y="0"/>
+          <a:chExt cx="0" cy="0"/>
+        </a:xfrm>
+      </p:grpSpPr>
+      <p:sp>
+        <p:nvSpPr>
+          <p:cNvPr id="2" name="Title 1"/>
+          <p:cNvSpPr>
+            <a:spLocks noGrp="1"/>
+          </p:cNvSpPr>
+          <p:nvPr>
+            <p:ph type="title"/>
+          </p:nvPr>
+        </p:nvSpPr>
+        <p:spPr/>
+        <p:txBody>
+          <a:bodyPr/>
+          <a:lstStyle/>
+          <a:p>
+            <a:r>
+              <a:rPr dirty="0"/>
+              <a:t>Role of Microsoft Fabric</a:t>
+            </a:r>
+          </a:p>
+        </p:txBody>
+      </p:sp>
+      <p:sp>
+        <p:nvSpPr>
+          <p:cNvPr id="3" name="Content Placeholder 2"/>
+          <p:cNvSpPr>
+            <a:spLocks noGrp="1"/>
+          </p:cNvSpPr>
+          <p:nvPr>
+            <p:ph idx="1"/>
+          </p:nvPr>
+        </p:nvSpPr>
+        <p:spPr/>
+        <p:txBody>
+          <a:bodyPr/>
+          <a:lstStyle/>
+          <a:p>
+            <a:r>
+              <a:rPr dirty="0"/>
+              <a:t>- Unified data platform integrating Power BI, Synapse, and Data Factory</a:t>
+            </a:r>
+          </a:p>
+          <a:p>
+            <a:r>
+              <a:rPr dirty="0"/>
+              <a:t>- Provides Lakehouse, Data Engineering, and Real-time Analytics capabilities</a:t>
+            </a:r>
+          </a:p>
+          <a:p>
+            <a:r>
+              <a:rPr dirty="0"/>
+              <a:t>- Simplifies governance and collaboration</a:t>
+            </a:r>
+          </a:p>
+          <a:p>
+            <a:r>
+              <a:rPr dirty="0"/>
+              <a:t>- Part of the modern data ecosystem</a:t>
+            </a:r>
+          </a:p>
+        </p:txBody>
+      </p:sp>
+    </p:spTree>
+  </p:cSld>
+  <p:clrMapOvr>
+    <a:masterClrMapping/>
+  </p:clrMapOvr>
+</p:sld>
+</file>
+
+<file path=ppt/slides/slide13.xml><?xml version="1.0" encoding="utf-8"?>
+<p:sld xmlns:a="http://schemas.openxmlformats.org/drawingml/2006/main" xmlns:r="http://schemas.openxmlformats.org/officeDocument/2006/relationships" xmlns:p="http://schemas.openxmlformats.org/presentationml/2006/main">
+  <p:cSld>
+    <p:spTree>
+      <p:nvGrpSpPr>
+        <p:cNvPr id="1" name=""/>
+        <p:cNvGrpSpPr/>
+        <p:nvPr/>
+      </p:nvGrpSpPr>
+      <p:grpSpPr>
+        <a:xfrm>
+          <a:off x="0" y="0"/>
+          <a:ext cx="0" cy="0"/>
+          <a:chOff x="0" y="0"/>
+          <a:chExt cx="0" cy="0"/>
+        </a:xfrm>
+      </p:grpSpPr>
+      <p:sp>
+        <p:nvSpPr>
+          <p:cNvPr id="2" name="Title 1"/>
+          <p:cNvSpPr>
+            <a:spLocks noGrp="1"/>
+          </p:cNvSpPr>
+          <p:nvPr>
+            <p:ph type="title"/>
+          </p:nvPr>
+        </p:nvSpPr>
+        <p:spPr/>
+        <p:txBody>
+          <a:bodyPr/>
+          <a:lstStyle/>
+          <a:p>
+            <a:r>
               <a:t>Partitioning &amp; Distribution Strategies</a:t>
             </a:r>
           </a:p>
@@ -16429,7 +16666,7 @@
 </p:sld>
 </file>
 
-<file path=ppt/slides/slide11.xml><?xml version="1.0" encoding="utf-8"?>
+<file path=ppt/slides/slide14.xml><?xml version="1.0" encoding="utf-8"?>
 <p:sld xmlns:a="http://schemas.openxmlformats.org/drawingml/2006/main" xmlns:r="http://schemas.openxmlformats.org/officeDocument/2006/relationships" xmlns:p="http://schemas.openxmlformats.org/presentationml/2006/main">
   <p:cSld>
     <p:spTree>
@@ -16521,7 +16758,7 @@
 </p:sld>
 </file>
 
-<file path=ppt/slides/slide12.xml><?xml version="1.0" encoding="utf-8"?>
+<file path=ppt/slides/slide15.xml><?xml version="1.0" encoding="utf-8"?>
 <p:sld xmlns:a="http://schemas.openxmlformats.org/drawingml/2006/main" xmlns:r="http://schemas.openxmlformats.org/officeDocument/2006/relationships" xmlns:p="http://schemas.openxmlformats.org/presentationml/2006/main">
   <p:cSld>
     <p:spTree>
@@ -16586,7 +16823,7 @@
 </p:sld>
 </file>
 
-<file path=ppt/slides/slide13.xml><?xml version="1.0" encoding="utf-8"?>
+<file path=ppt/slides/slide16.xml><?xml version="1.0" encoding="utf-8"?>
 <p:sld xmlns:a="http://schemas.openxmlformats.org/drawingml/2006/main" xmlns:r="http://schemas.openxmlformats.org/officeDocument/2006/relationships" xmlns:p="http://schemas.openxmlformats.org/presentationml/2006/main">
   <p:cSld>
     <p:spTree>
@@ -16668,7 +16905,7 @@
 </p:sld>
 </file>
 
-<file path=ppt/slides/slide14.xml><?xml version="1.0" encoding="utf-8"?>
+<file path=ppt/slides/slide17.xml><?xml version="1.0" encoding="utf-8"?>
 <p:sld xmlns:a="http://schemas.openxmlformats.org/drawingml/2006/main" xmlns:r="http://schemas.openxmlformats.org/officeDocument/2006/relationships" xmlns:p="http://schemas.openxmlformats.org/presentationml/2006/main">
   <p:cSld>
     <p:spTree>
@@ -16733,7 +16970,7 @@
 </p:sld>
 </file>
 
-<file path=ppt/slides/slide15.xml><?xml version="1.0" encoding="utf-8"?>
+<file path=ppt/slides/slide18.xml><?xml version="1.0" encoding="utf-8"?>
 <p:sld xmlns:a="http://schemas.openxmlformats.org/drawingml/2006/main" xmlns:r="http://schemas.openxmlformats.org/officeDocument/2006/relationships" xmlns:p="http://schemas.openxmlformats.org/presentationml/2006/main">
   <p:cSld>
     <p:spTree>
@@ -16981,6 +17218,380 @@
       </p:grpSpPr>
       <p:sp>
         <p:nvSpPr>
+          <p:cNvPr id="2" name="Title 1">
+            <a:extLst>
+              <a:ext uri="{FF2B5EF4-FFF2-40B4-BE49-F238E27FC236}">
+                <a16:creationId xmlns:a16="http://schemas.microsoft.com/office/drawing/2014/main" id="{9DAABB2A-E5E2-05E5-ED8D-A1F4932D2D7D}"/>
+              </a:ext>
+            </a:extLst>
+          </p:cNvPr>
+          <p:cNvSpPr>
+            <a:spLocks noGrp="1"/>
+          </p:cNvSpPr>
+          <p:nvPr>
+            <p:ph type="title"/>
+          </p:nvPr>
+        </p:nvSpPr>
+        <p:spPr/>
+        <p:txBody>
+          <a:bodyPr/>
+          <a:lstStyle/>
+          <a:p>
+            <a:r>
+              <a:rPr lang="en-IN" dirty="0"/>
+              <a:t>SQL Pools</a:t>
+            </a:r>
+          </a:p>
+        </p:txBody>
+      </p:sp>
+      <p:sp>
+        <p:nvSpPr>
+          <p:cNvPr id="3" name="Content Placeholder 2">
+            <a:extLst>
+              <a:ext uri="{FF2B5EF4-FFF2-40B4-BE49-F238E27FC236}">
+                <a16:creationId xmlns:a16="http://schemas.microsoft.com/office/drawing/2014/main" id="{1A82EDB1-44CF-BE93-E326-1A9501FC9663}"/>
+              </a:ext>
+            </a:extLst>
+          </p:cNvPr>
+          <p:cNvSpPr>
+            <a:spLocks noGrp="1"/>
+          </p:cNvSpPr>
+          <p:nvPr>
+            <p:ph idx="1"/>
+          </p:nvPr>
+        </p:nvSpPr>
+        <p:spPr/>
+        <p:txBody>
+          <a:bodyPr/>
+          <a:lstStyle/>
+          <a:p>
+            <a:endParaRPr lang="en-US" dirty="0"/>
+          </a:p>
+          <a:p>
+            <a:pPr>
+              <a:defRPr sz="2000"/>
+            </a:pPr>
+            <a:r>
+              <a:rPr lang="en-US" dirty="0"/>
+              <a:t>Two types: Dedicated SQL Pool, Serverless SQL Pool</a:t>
+            </a:r>
+          </a:p>
+          <a:p>
+            <a:pPr>
+              <a:defRPr sz="2000"/>
+            </a:pPr>
+            <a:r>
+              <a:rPr lang="en-US" dirty="0"/>
+              <a:t>Dedicated: Pre-provisioned compute resources for predictable performance</a:t>
+            </a:r>
+          </a:p>
+          <a:p>
+            <a:pPr>
+              <a:defRPr sz="2000"/>
+            </a:pPr>
+            <a:r>
+              <a:rPr lang="en-US" dirty="0"/>
+              <a:t>Serverless: Pay-per-query model with no infrastructure management</a:t>
+            </a:r>
+          </a:p>
+          <a:p>
+            <a:pPr>
+              <a:defRPr sz="2000"/>
+            </a:pPr>
+            <a:r>
+              <a:rPr lang="en-US" dirty="0"/>
+              <a:t>Used for T-SQL queries, BI, and reporting</a:t>
+            </a:r>
+          </a:p>
+          <a:p>
+            <a:endParaRPr lang="en-IN" dirty="0"/>
+          </a:p>
+        </p:txBody>
+      </p:sp>
+    </p:spTree>
+    <p:extLst>
+      <p:ext uri="{BB962C8B-B14F-4D97-AF65-F5344CB8AC3E}">
+        <p14:creationId xmlns:p14="http://schemas.microsoft.com/office/powerpoint/2010/main" val="2303090867"/>
+      </p:ext>
+    </p:extLst>
+  </p:cSld>
+  <p:clrMapOvr>
+    <a:masterClrMapping/>
+  </p:clrMapOvr>
+</p:sld>
+</file>
+
+<file path=ppt/slides/slide5.xml><?xml version="1.0" encoding="utf-8"?>
+<p:sld xmlns:a="http://schemas.openxmlformats.org/drawingml/2006/main" xmlns:r="http://schemas.openxmlformats.org/officeDocument/2006/relationships" xmlns:p="http://schemas.openxmlformats.org/presentationml/2006/main">
+  <p:cSld>
+    <p:spTree>
+      <p:nvGrpSpPr>
+        <p:cNvPr id="1" name=""/>
+        <p:cNvGrpSpPr/>
+        <p:nvPr/>
+      </p:nvGrpSpPr>
+      <p:grpSpPr>
+        <a:xfrm>
+          <a:off x="0" y="0"/>
+          <a:ext cx="0" cy="0"/>
+          <a:chOff x="0" y="0"/>
+          <a:chExt cx="0" cy="0"/>
+        </a:xfrm>
+      </p:grpSpPr>
+      <p:sp>
+        <p:nvSpPr>
+          <p:cNvPr id="2" name="Title 1">
+            <a:extLst>
+              <a:ext uri="{FF2B5EF4-FFF2-40B4-BE49-F238E27FC236}">
+                <a16:creationId xmlns:a16="http://schemas.microsoft.com/office/drawing/2014/main" id="{610FB591-B493-8223-F780-63DC6A201317}"/>
+              </a:ext>
+            </a:extLst>
+          </p:cNvPr>
+          <p:cNvSpPr>
+            <a:spLocks noGrp="1"/>
+          </p:cNvSpPr>
+          <p:nvPr>
+            <p:ph type="title"/>
+          </p:nvPr>
+        </p:nvSpPr>
+        <p:spPr/>
+        <p:txBody>
+          <a:bodyPr/>
+          <a:lstStyle/>
+          <a:p>
+            <a:r>
+              <a:rPr lang="en-IN" dirty="0"/>
+              <a:t>Spark Pools</a:t>
+            </a:r>
+          </a:p>
+        </p:txBody>
+      </p:sp>
+      <p:sp>
+        <p:nvSpPr>
+          <p:cNvPr id="3" name="Content Placeholder 2">
+            <a:extLst>
+              <a:ext uri="{FF2B5EF4-FFF2-40B4-BE49-F238E27FC236}">
+                <a16:creationId xmlns:a16="http://schemas.microsoft.com/office/drawing/2014/main" id="{45828D4F-3ED5-A5F5-EC6C-7DC39135B0FD}"/>
+              </a:ext>
+            </a:extLst>
+          </p:cNvPr>
+          <p:cNvSpPr>
+            <a:spLocks noGrp="1"/>
+          </p:cNvSpPr>
+          <p:nvPr>
+            <p:ph idx="1"/>
+          </p:nvPr>
+        </p:nvSpPr>
+        <p:spPr/>
+        <p:txBody>
+          <a:bodyPr/>
+          <a:lstStyle/>
+          <a:p>
+            <a:endParaRPr lang="en-US" dirty="0"/>
+          </a:p>
+          <a:p>
+            <a:pPr>
+              <a:defRPr sz="2000"/>
+            </a:pPr>
+            <a:r>
+              <a:rPr lang="en-US" dirty="0"/>
+              <a:t>Based on Apache Spark</a:t>
+            </a:r>
+          </a:p>
+          <a:p>
+            <a:pPr>
+              <a:defRPr sz="2000"/>
+            </a:pPr>
+            <a:r>
+              <a:rPr lang="en-US" dirty="0"/>
+              <a:t>Supports big data processing and machine learning</a:t>
+            </a:r>
+          </a:p>
+          <a:p>
+            <a:pPr>
+              <a:defRPr sz="2000"/>
+            </a:pPr>
+            <a:r>
+              <a:rPr lang="en-US" dirty="0"/>
+              <a:t>Languages: </a:t>
+            </a:r>
+            <a:r>
+              <a:rPr lang="en-US" dirty="0" err="1"/>
+              <a:t>PySpark</a:t>
+            </a:r>
+            <a:r>
+              <a:rPr lang="en-US" dirty="0"/>
+              <a:t>, Scala, .NET for Spark</a:t>
+            </a:r>
+          </a:p>
+          <a:p>
+            <a:pPr>
+              <a:defRPr sz="2000"/>
+            </a:pPr>
+            <a:r>
+              <a:rPr lang="en-US" dirty="0"/>
+              <a:t>Autoscaling clusters for flexibility</a:t>
+            </a:r>
+          </a:p>
+          <a:p>
+            <a:endParaRPr lang="en-IN" dirty="0"/>
+          </a:p>
+        </p:txBody>
+      </p:sp>
+    </p:spTree>
+    <p:extLst>
+      <p:ext uri="{BB962C8B-B14F-4D97-AF65-F5344CB8AC3E}">
+        <p14:creationId xmlns:p14="http://schemas.microsoft.com/office/powerpoint/2010/main" val="1079994343"/>
+      </p:ext>
+    </p:extLst>
+  </p:cSld>
+  <p:clrMapOvr>
+    <a:masterClrMapping/>
+  </p:clrMapOvr>
+</p:sld>
+</file>
+
+<file path=ppt/slides/slide6.xml><?xml version="1.0" encoding="utf-8"?>
+<p:sld xmlns:a="http://schemas.openxmlformats.org/drawingml/2006/main" xmlns:r="http://schemas.openxmlformats.org/officeDocument/2006/relationships" xmlns:p="http://schemas.openxmlformats.org/presentationml/2006/main">
+  <p:cSld>
+    <p:spTree>
+      <p:nvGrpSpPr>
+        <p:cNvPr id="1" name=""/>
+        <p:cNvGrpSpPr/>
+        <p:nvPr/>
+      </p:nvGrpSpPr>
+      <p:grpSpPr>
+        <a:xfrm>
+          <a:off x="0" y="0"/>
+          <a:ext cx="0" cy="0"/>
+          <a:chOff x="0" y="0"/>
+          <a:chExt cx="0" cy="0"/>
+        </a:xfrm>
+      </p:grpSpPr>
+      <p:sp>
+        <p:nvSpPr>
+          <p:cNvPr id="2" name="Title 1">
+            <a:extLst>
+              <a:ext uri="{FF2B5EF4-FFF2-40B4-BE49-F238E27FC236}">
+                <a16:creationId xmlns:a16="http://schemas.microsoft.com/office/drawing/2014/main" id="{F8538B7C-C883-8968-A56A-EBF1A7D71055}"/>
+              </a:ext>
+            </a:extLst>
+          </p:cNvPr>
+          <p:cNvSpPr>
+            <a:spLocks noGrp="1"/>
+          </p:cNvSpPr>
+          <p:nvPr>
+            <p:ph type="title"/>
+          </p:nvPr>
+        </p:nvSpPr>
+        <p:spPr/>
+        <p:txBody>
+          <a:bodyPr/>
+          <a:lstStyle/>
+          <a:p>
+            <a:r>
+              <a:rPr lang="en-IN" dirty="0"/>
+              <a:t>Pipelines</a:t>
+            </a:r>
+          </a:p>
+        </p:txBody>
+      </p:sp>
+      <p:sp>
+        <p:nvSpPr>
+          <p:cNvPr id="3" name="Content Placeholder 2">
+            <a:extLst>
+              <a:ext uri="{FF2B5EF4-FFF2-40B4-BE49-F238E27FC236}">
+                <a16:creationId xmlns:a16="http://schemas.microsoft.com/office/drawing/2014/main" id="{2653EE25-C80F-5B50-5155-67FD2C1F74ED}"/>
+              </a:ext>
+            </a:extLst>
+          </p:cNvPr>
+          <p:cNvSpPr>
+            <a:spLocks noGrp="1"/>
+          </p:cNvSpPr>
+          <p:nvPr>
+            <p:ph idx="1"/>
+          </p:nvPr>
+        </p:nvSpPr>
+        <p:spPr/>
+        <p:txBody>
+          <a:bodyPr/>
+          <a:lstStyle/>
+          <a:p>
+            <a:endParaRPr lang="en-US" dirty="0"/>
+          </a:p>
+          <a:p>
+            <a:pPr>
+              <a:defRPr sz="2000"/>
+            </a:pPr>
+            <a:r>
+              <a:rPr lang="en-US" dirty="0"/>
+              <a:t>Similar to Azure Data Factory pipelines</a:t>
+            </a:r>
+          </a:p>
+          <a:p>
+            <a:pPr>
+              <a:defRPr sz="2000"/>
+            </a:pPr>
+            <a:r>
+              <a:rPr lang="en-US" dirty="0"/>
+              <a:t>Orchestrates data ingestion, transformation, and movement</a:t>
+            </a:r>
+          </a:p>
+          <a:p>
+            <a:pPr>
+              <a:defRPr sz="2000"/>
+            </a:pPr>
+            <a:r>
+              <a:rPr lang="en-US" dirty="0"/>
+              <a:t>Supports activities, linked services, datasets</a:t>
+            </a:r>
+          </a:p>
+          <a:p>
+            <a:pPr>
+              <a:defRPr sz="2000"/>
+            </a:pPr>
+            <a:r>
+              <a:rPr lang="en-US" dirty="0"/>
+              <a:t>Integration with SQL &amp; Spark pools</a:t>
+            </a:r>
+          </a:p>
+          <a:p>
+            <a:endParaRPr lang="en-IN" dirty="0"/>
+          </a:p>
+        </p:txBody>
+      </p:sp>
+    </p:spTree>
+    <p:extLst>
+      <p:ext uri="{BB962C8B-B14F-4D97-AF65-F5344CB8AC3E}">
+        <p14:creationId xmlns:p14="http://schemas.microsoft.com/office/powerpoint/2010/main" val="2617803740"/>
+      </p:ext>
+    </p:extLst>
+  </p:cSld>
+  <p:clrMapOvr>
+    <a:masterClrMapping/>
+  </p:clrMapOvr>
+</p:sld>
+</file>
+
+<file path=ppt/slides/slide7.xml><?xml version="1.0" encoding="utf-8"?>
+<p:sld xmlns:a="http://schemas.openxmlformats.org/drawingml/2006/main" xmlns:r="http://schemas.openxmlformats.org/officeDocument/2006/relationships" xmlns:p="http://schemas.openxmlformats.org/presentationml/2006/main">
+  <p:cSld>
+    <p:spTree>
+      <p:nvGrpSpPr>
+        <p:cNvPr id="1" name=""/>
+        <p:cNvGrpSpPr/>
+        <p:nvPr/>
+      </p:nvGrpSpPr>
+      <p:grpSpPr>
+        <a:xfrm>
+          <a:off x="0" y="0"/>
+          <a:ext cx="0" cy="0"/>
+          <a:chOff x="0" y="0"/>
+          <a:chExt cx="0" cy="0"/>
+        </a:xfrm>
+      </p:grpSpPr>
+      <p:sp>
+        <p:nvSpPr>
           <p:cNvPr id="2" name="Title 1"/>
           <p:cNvSpPr>
             <a:spLocks noGrp="1"/>
@@ -17027,7 +17638,7 @@
 </p:sld>
 </file>
 
-<file path=ppt/slides/slide5.xml><?xml version="1.0" encoding="utf-8"?>
+<file path=ppt/slides/slide8.xml><?xml version="1.0" encoding="utf-8"?>
 <p:sld xmlns:a="http://schemas.openxmlformats.org/drawingml/2006/main" xmlns:r="http://schemas.openxmlformats.org/officeDocument/2006/relationships" xmlns:p="http://schemas.openxmlformats.org/presentationml/2006/main">
   <p:cSld>
     <p:spTree>
@@ -17122,7 +17733,7 @@
 </p:sld>
 </file>
 
-<file path=ppt/slides/slide6.xml><?xml version="1.0" encoding="utf-8"?>
+<file path=ppt/slides/slide9.xml><?xml version="1.0" encoding="utf-8"?>
 <p:sld xmlns:a="http://schemas.openxmlformats.org/drawingml/2006/main" xmlns:r="http://schemas.openxmlformats.org/officeDocument/2006/relationships" xmlns:p="http://schemas.openxmlformats.org/presentationml/2006/main">
   <p:cSld>
     <p:spTree>
@@ -17176,235 +17787,6 @@
           <a:lstStyle/>
           <a:p>
             <a:endParaRPr/>
-          </a:p>
-        </p:txBody>
-      </p:sp>
-    </p:spTree>
-  </p:cSld>
-  <p:clrMapOvr>
-    <a:masterClrMapping/>
-  </p:clrMapOvr>
-</p:sld>
-</file>
-
-<file path=ppt/slides/slide7.xml><?xml version="1.0" encoding="utf-8"?>
-<p:sld xmlns:a="http://schemas.openxmlformats.org/drawingml/2006/main" xmlns:r="http://schemas.openxmlformats.org/officeDocument/2006/relationships" xmlns:p="http://schemas.openxmlformats.org/presentationml/2006/main">
-  <p:cSld>
-    <p:spTree>
-      <p:nvGrpSpPr>
-        <p:cNvPr id="1" name=""/>
-        <p:cNvGrpSpPr/>
-        <p:nvPr/>
-      </p:nvGrpSpPr>
-      <p:grpSpPr>
-        <a:xfrm>
-          <a:off x="0" y="0"/>
-          <a:ext cx="0" cy="0"/>
-          <a:chOff x="0" y="0"/>
-          <a:chExt cx="0" cy="0"/>
-        </a:xfrm>
-      </p:grpSpPr>
-      <p:sp>
-        <p:nvSpPr>
-          <p:cNvPr id="2" name="Title 1"/>
-          <p:cNvSpPr>
-            <a:spLocks noGrp="1"/>
-          </p:cNvSpPr>
-          <p:nvPr>
-            <p:ph type="title"/>
-          </p:nvPr>
-        </p:nvSpPr>
-        <p:spPr/>
-        <p:txBody>
-          <a:bodyPr/>
-          <a:lstStyle/>
-          <a:p>
-            <a:r>
-              <a:t>Creating and Managing Databases, Tables, and Views</a:t>
-            </a:r>
-          </a:p>
-        </p:txBody>
-      </p:sp>
-      <p:sp>
-        <p:nvSpPr>
-          <p:cNvPr id="3" name="Content Placeholder 2"/>
-          <p:cNvSpPr>
-            <a:spLocks noGrp="1"/>
-          </p:cNvSpPr>
-          <p:nvPr>
-            <p:ph idx="1"/>
-          </p:nvPr>
-        </p:nvSpPr>
-        <p:spPr/>
-        <p:txBody>
-          <a:bodyPr/>
-          <a:lstStyle/>
-          <a:p>
-            <a:r>
-              <a:t>- Databases: Logical containers for data</a:t>
-            </a:r>
-          </a:p>
-          <a:p>
-            <a:r>
-              <a:t>- Tables: Store structured data in rows and columns</a:t>
-            </a:r>
-          </a:p>
-          <a:p>
-            <a:r>
-              <a:t>- Views: Virtual tables for simplified query logic</a:t>
-            </a:r>
-          </a:p>
-          <a:p>
-            <a:r>
-              <a:t>- Tools: T-SQL, Synapse Studio, PowerShell, Azure CLI</a:t>
-            </a:r>
-          </a:p>
-        </p:txBody>
-      </p:sp>
-    </p:spTree>
-  </p:cSld>
-  <p:clrMapOvr>
-    <a:masterClrMapping/>
-  </p:clrMapOvr>
-</p:sld>
-</file>
-
-<file path=ppt/slides/slide8.xml><?xml version="1.0" encoding="utf-8"?>
-<p:sld xmlns:a="http://schemas.openxmlformats.org/drawingml/2006/main" xmlns:r="http://schemas.openxmlformats.org/officeDocument/2006/relationships" xmlns:p="http://schemas.openxmlformats.org/presentationml/2006/main">
-  <p:cSld>
-    <p:spTree>
-      <p:nvGrpSpPr>
-        <p:cNvPr id="1" name=""/>
-        <p:cNvGrpSpPr/>
-        <p:nvPr/>
-      </p:nvGrpSpPr>
-      <p:grpSpPr>
-        <a:xfrm>
-          <a:off x="0" y="0"/>
-          <a:ext cx="0" cy="0"/>
-          <a:chOff x="0" y="0"/>
-          <a:chExt cx="0" cy="0"/>
-        </a:xfrm>
-      </p:grpSpPr>
-      <p:sp>
-        <p:nvSpPr>
-          <p:cNvPr id="2" name="Title 1"/>
-          <p:cNvSpPr>
-            <a:spLocks noGrp="1"/>
-          </p:cNvSpPr>
-          <p:nvPr>
-            <p:ph type="title"/>
-          </p:nvPr>
-        </p:nvSpPr>
-        <p:spPr/>
-        <p:txBody>
-          <a:bodyPr/>
-          <a:lstStyle/>
-          <a:p>
-            <a:r>
-              <a:t>Microsoft Fabric Overview</a:t>
-            </a:r>
-          </a:p>
-        </p:txBody>
-      </p:sp>
-      <p:sp>
-        <p:nvSpPr>
-          <p:cNvPr id="3" name="Text Placeholder 2"/>
-          <p:cNvSpPr>
-            <a:spLocks noGrp="1"/>
-          </p:cNvSpPr>
-          <p:nvPr>
-            <p:ph type="body" idx="1"/>
-          </p:nvPr>
-        </p:nvSpPr>
-        <p:spPr/>
-        <p:txBody>
-          <a:bodyPr/>
-          <a:lstStyle/>
-          <a:p>
-            <a:endParaRPr/>
-          </a:p>
-        </p:txBody>
-      </p:sp>
-    </p:spTree>
-  </p:cSld>
-  <p:clrMapOvr>
-    <a:masterClrMapping/>
-  </p:clrMapOvr>
-</p:sld>
-</file>
-
-<file path=ppt/slides/slide9.xml><?xml version="1.0" encoding="utf-8"?>
-<p:sld xmlns:a="http://schemas.openxmlformats.org/drawingml/2006/main" xmlns:r="http://schemas.openxmlformats.org/officeDocument/2006/relationships" xmlns:p="http://schemas.openxmlformats.org/presentationml/2006/main">
-  <p:cSld>
-    <p:spTree>
-      <p:nvGrpSpPr>
-        <p:cNvPr id="1" name=""/>
-        <p:cNvGrpSpPr/>
-        <p:nvPr/>
-      </p:nvGrpSpPr>
-      <p:grpSpPr>
-        <a:xfrm>
-          <a:off x="0" y="0"/>
-          <a:ext cx="0" cy="0"/>
-          <a:chOff x="0" y="0"/>
-          <a:chExt cx="0" cy="0"/>
-        </a:xfrm>
-      </p:grpSpPr>
-      <p:sp>
-        <p:nvSpPr>
-          <p:cNvPr id="2" name="Title 1"/>
-          <p:cNvSpPr>
-            <a:spLocks noGrp="1"/>
-          </p:cNvSpPr>
-          <p:nvPr>
-            <p:ph type="title"/>
-          </p:nvPr>
-        </p:nvSpPr>
-        <p:spPr/>
-        <p:txBody>
-          <a:bodyPr/>
-          <a:lstStyle/>
-          <a:p>
-            <a:r>
-              <a:t>Role of Microsoft Fabric</a:t>
-            </a:r>
-          </a:p>
-        </p:txBody>
-      </p:sp>
-      <p:sp>
-        <p:nvSpPr>
-          <p:cNvPr id="3" name="Content Placeholder 2"/>
-          <p:cNvSpPr>
-            <a:spLocks noGrp="1"/>
-          </p:cNvSpPr>
-          <p:nvPr>
-            <p:ph idx="1"/>
-          </p:nvPr>
-        </p:nvSpPr>
-        <p:spPr/>
-        <p:txBody>
-          <a:bodyPr/>
-          <a:lstStyle/>
-          <a:p>
-            <a:r>
-              <a:t>- Unified data platform integrating Power BI, Synapse, and Data Factory</a:t>
-            </a:r>
-          </a:p>
-          <a:p>
-            <a:r>
-              <a:t>- Provides Lakehouse, Data Engineering, and Real-time Analytics capabilities</a:t>
-            </a:r>
-          </a:p>
-          <a:p>
-            <a:r>
-              <a:t>- Simplifies governance and collaboration</a:t>
-            </a:r>
-          </a:p>
-          <a:p>
-            <a:r>
-              <a:t>- Part of the modern data ecosystem</a:t>
-            </a:r>
           </a:p>
         </p:txBody>
       </p:sp>
